--- a/TeamOyomoy.pptx
+++ b/TeamOyomoy.pptx
@@ -119,6 +119,11 @@
       </a:defRPr>
     </a:lvl9pPr>
   </p:defaultTextStyle>
+  <p:extLst>
+    <p:ext uri="{EFAFB233-063F-42B5-8137-9DF3F51BA10A}">
+      <p15:sldGuideLst xmlns:p15="http://schemas.microsoft.com/office/powerpoint/2012/main"/>
+    </p:ext>
+  </p:extLst>
 </p:presentation>
 </file>
 
@@ -2491,11 +2496,15 @@
         <a:lstStyle/>
         <a:p>
           <a:r>
-            <a:rPr lang="en-US" sz="3200" dirty="0"/>
-            <a:t>Affiliation </a:t>
+            <a:rPr lang="en-US" sz="3200" b="1" dirty="0" err="1"/>
+            <a:t>Affilitioan</a:t>
           </a:r>
           <a:r>
-            <a:rPr lang="en-US" sz="3200" dirty="0">
+            <a:rPr lang="en-US" sz="3200" b="1" dirty="0"/>
+            <a:t> </a:t>
+          </a:r>
+          <a:r>
+            <a:rPr lang="en-US" sz="3200" b="1" dirty="0">
               <a:solidFill>
                 <a:schemeClr val="bg1"/>
               </a:solidFill>
@@ -2503,7 +2512,7 @@
             <a:t>with bus owners </a:t>
           </a:r>
           <a:r>
-            <a:rPr lang="en-US" sz="5300" dirty="0">
+            <a:rPr lang="en-US" sz="5300" b="1" dirty="0">
               <a:solidFill>
                 <a:schemeClr val="bg1"/>
               </a:solidFill>
@@ -2543,7 +2552,7 @@
         <a:lstStyle/>
         <a:p>
           <a:r>
-            <a:rPr lang="en-US" sz="3600" dirty="0"/>
+            <a:rPr lang="en-US" sz="3600" b="1" dirty="0"/>
             <a:t>Deducting 2% from each transaction</a:t>
           </a:r>
         </a:p>
@@ -2579,7 +2588,7 @@
         <a:lstStyle/>
         <a:p>
           <a:r>
-            <a:rPr lang="en-US" sz="3600" dirty="0"/>
+            <a:rPr lang="en-US" sz="3600" b="1" dirty="0"/>
             <a:t>Win – Win revenue model</a:t>
           </a:r>
         </a:p>
@@ -2626,7 +2635,7 @@
       <dgm:spPr/>
     </dgm:pt>
     <dgm:pt modelId="{D405E055-56B0-405A-AF04-7EBEF94E66A3}" type="pres">
-      <dgm:prSet presAssocID="{B93577E5-F4F9-480D-8276-4786A5C238A6}" presName="parentText" presStyleLbl="node1" presStyleIdx="0" presStyleCnt="3" custScaleY="70546" custLinFactNeighborX="-13235" custLinFactNeighborY="1146">
+      <dgm:prSet presAssocID="{B93577E5-F4F9-480D-8276-4786A5C238A6}" presName="parentText" presStyleLbl="node1" presStyleIdx="0" presStyleCnt="3" custScaleY="70546" custLinFactX="-159" custLinFactNeighborX="-100000" custLinFactNeighborY="19941">
         <dgm:presLayoutVars>
           <dgm:chMax val="0"/>
           <dgm:bulletEnabled val="1"/>
@@ -2659,7 +2668,7 @@
       <dgm:spPr/>
     </dgm:pt>
     <dgm:pt modelId="{EEF0205E-75FE-470C-8EEC-48E5AC610B0B}" type="pres">
-      <dgm:prSet presAssocID="{7E011F11-D53F-42FD-8694-2D47EF90C9E7}" presName="parentText" presStyleLbl="node1" presStyleIdx="1" presStyleCnt="3" custScaleY="106308" custLinFactX="18600" custLinFactNeighborX="100000" custLinFactNeighborY="30924">
+      <dgm:prSet presAssocID="{7E011F11-D53F-42FD-8694-2D47EF90C9E7}" presName="parentText" presStyleLbl="node1" presStyleIdx="1" presStyleCnt="3" custScaleY="106308" custLinFactX="11437" custLinFactNeighborX="100000" custLinFactNeighborY="52539">
         <dgm:presLayoutVars>
           <dgm:chMax val="0"/>
           <dgm:bulletEnabled val="1"/>
@@ -2692,7 +2701,7 @@
       <dgm:spPr/>
     </dgm:pt>
     <dgm:pt modelId="{C4ACF642-2C53-49A3-A43D-86926F5C5AF0}" type="pres">
-      <dgm:prSet presAssocID="{B6D2BF19-E9F3-4A99-9AD0-5537950B1EF9}" presName="parentText" presStyleLbl="node1" presStyleIdx="2" presStyleCnt="3" custScaleY="123463" custLinFactNeighborX="20528" custLinFactNeighborY="50684">
+      <dgm:prSet presAssocID="{B6D2BF19-E9F3-4A99-9AD0-5537950B1EF9}" presName="parentText" presStyleLbl="node1" presStyleIdx="2" presStyleCnt="3" custScaleY="123463" custLinFactX="29168" custLinFactNeighborX="100000" custLinFactNeighborY="38498">
         <dgm:presLayoutVars>
           <dgm:chMax val="0"/>
           <dgm:bulletEnabled val="1"/>
@@ -2897,7 +2906,7 @@
       <dgm:spPr/>
     </dgm:pt>
     <dgm:pt modelId="{925FA8E8-3A61-4F45-80FA-B14AC745F2D8}" type="pres">
-      <dgm:prSet presAssocID="{45778FAE-FA21-43A6-ACE0-3B528AD18011}" presName="aNode" presStyleLbl="fgAcc1" presStyleIdx="0" presStyleCnt="3" custScaleX="198620">
+      <dgm:prSet presAssocID="{45778FAE-FA21-43A6-ACE0-3B528AD18011}" presName="aNode" presStyleLbl="fgAcc1" presStyleIdx="0" presStyleCnt="3" custScaleX="198620" custLinFactNeighborX="-63221" custLinFactNeighborY="19035">
         <dgm:presLayoutVars>
           <dgm:bulletEnabled val="1"/>
         </dgm:presLayoutVars>
@@ -2909,7 +2918,7 @@
       <dgm:spPr/>
     </dgm:pt>
     <dgm:pt modelId="{5DACEC2A-475D-49C6-ADE9-57DD6E56B9A6}" type="pres">
-      <dgm:prSet presAssocID="{1706FB45-A0E1-45D6-B745-32A12A81E1DF}" presName="aNode" presStyleLbl="fgAcc1" presStyleIdx="1" presStyleCnt="3" custScaleX="200677">
+      <dgm:prSet presAssocID="{1706FB45-A0E1-45D6-B745-32A12A81E1DF}" presName="aNode" presStyleLbl="fgAcc1" presStyleIdx="1" presStyleCnt="3" custScaleX="200677" custLinFactNeighborX="-36973" custLinFactNeighborY="-12415">
         <dgm:presLayoutVars>
           <dgm:bulletEnabled val="1"/>
         </dgm:presLayoutVars>
@@ -2921,7 +2930,7 @@
       <dgm:spPr/>
     </dgm:pt>
     <dgm:pt modelId="{2199F912-595E-4C72-AFEE-D1E3AEB48F3E}" type="pres">
-      <dgm:prSet presAssocID="{55F12E09-600A-4991-A6FC-401510380948}" presName="aNode" presStyleLbl="fgAcc1" presStyleIdx="2" presStyleCnt="3" custScaleX="203456">
+      <dgm:prSet presAssocID="{55F12E09-600A-4991-A6FC-401510380948}" presName="aNode" presStyleLbl="fgAcc1" presStyleIdx="2" presStyleCnt="3" custScaleX="203456" custLinFactNeighborX="-16465" custLinFactNeighborY="25381">
         <dgm:presLayoutVars>
           <dgm:bulletEnabled val="1"/>
         </dgm:presLayoutVars>
@@ -3027,7 +3036,7 @@
       </dsp:nvSpPr>
       <dsp:spPr>
         <a:xfrm>
-          <a:off x="368688" y="22660"/>
+          <a:off x="0" y="200205"/>
           <a:ext cx="5948980" cy="666405"/>
         </a:xfrm>
         <a:prstGeom prst="roundRect">
@@ -3097,11 +3106,15 @@
             <a:buNone/>
           </a:pPr>
           <a:r>
-            <a:rPr lang="en-US" sz="3200" kern="1200" dirty="0"/>
-            <a:t>Affiliation </a:t>
+            <a:rPr lang="en-US" sz="3200" b="1" kern="1200" dirty="0" err="1"/>
+            <a:t>Affilitioan</a:t>
           </a:r>
           <a:r>
-            <a:rPr lang="en-US" sz="3200" kern="1200" dirty="0">
+            <a:rPr lang="en-US" sz="3200" b="1" kern="1200" dirty="0"/>
+            <a:t> </a:t>
+          </a:r>
+          <a:r>
+            <a:rPr lang="en-US" sz="3200" b="1" kern="1200" dirty="0">
               <a:solidFill>
                 <a:schemeClr val="bg1"/>
               </a:solidFill>
@@ -3109,7 +3122,7 @@
             <a:t>with bus owners </a:t>
           </a:r>
           <a:r>
-            <a:rPr lang="en-US" sz="5300" kern="1200" dirty="0">
+            <a:rPr lang="en-US" sz="5300" b="1" kern="1200" dirty="0">
               <a:solidFill>
                 <a:schemeClr val="bg1"/>
               </a:solidFill>
@@ -3119,7 +3132,7 @@
         </a:p>
       </dsp:txBody>
       <dsp:txXfrm>
-        <a:off x="401219" y="55191"/>
+        <a:off x="32531" y="232736"/>
         <a:ext cx="5883918" cy="601343"/>
       </dsp:txXfrm>
     </dsp:sp>
@@ -3182,7 +3195,7 @@
       </dsp:nvSpPr>
       <dsp:spPr>
         <a:xfrm>
-          <a:off x="1956364" y="1248658"/>
+          <a:off x="1530239" y="1452842"/>
           <a:ext cx="5948980" cy="1004227"/>
         </a:xfrm>
         <a:prstGeom prst="roundRect">
@@ -3252,13 +3265,13 @@
             <a:buNone/>
           </a:pPr>
           <a:r>
-            <a:rPr lang="en-US" sz="3600" kern="1200" dirty="0"/>
+            <a:rPr lang="en-US" sz="3600" b="1" kern="1200" dirty="0"/>
             <a:t>Deducting 2% from each transaction</a:t>
           </a:r>
         </a:p>
       </dsp:txBody>
       <dsp:txXfrm>
-        <a:off x="2005386" y="1297680"/>
+        <a:off x="1579261" y="1501864"/>
         <a:ext cx="5850936" cy="906183"/>
       </dsp:txXfrm>
     </dsp:sp>
@@ -3321,7 +3334,7 @@
       </dsp:nvSpPr>
       <dsp:spPr>
         <a:xfrm>
-          <a:off x="512156" y="3002307"/>
+          <a:off x="2549562" y="3002307"/>
           <a:ext cx="5948980" cy="1166280"/>
         </a:xfrm>
         <a:prstGeom prst="roundRect">
@@ -3391,13 +3404,13 @@
             <a:buNone/>
           </a:pPr>
           <a:r>
-            <a:rPr lang="en-US" sz="3600" kern="1200" dirty="0"/>
+            <a:rPr lang="en-US" sz="3600" b="1" kern="1200" dirty="0"/>
             <a:t>Win – Win revenue model</a:t>
           </a:r>
         </a:p>
       </dsp:txBody>
       <dsp:txXfrm>
-        <a:off x="569089" y="3059240"/>
+        <a:off x="2606495" y="3059240"/>
         <a:ext cx="5835114" cy="1052414"/>
       </dsp:txXfrm>
     </dsp:sp>
@@ -3420,7 +3433,7 @@
       </dsp:nvSpPr>
       <dsp:spPr>
         <a:xfrm>
-          <a:off x="255921" y="0"/>
+          <a:off x="2567466" y="0"/>
           <a:ext cx="4728384" cy="4728384"/>
         </a:xfrm>
         <a:prstGeom prst="triangle">
@@ -3507,7 +3520,7 @@
       </dsp:nvSpPr>
       <dsp:spPr>
         <a:xfrm>
-          <a:off x="1104595" y="475378"/>
+          <a:off x="1473074" y="502010"/>
           <a:ext cx="6104485" cy="1119297"/>
         </a:xfrm>
         <a:prstGeom prst="roundRect">
@@ -3594,7 +3607,7 @@
         </a:p>
       </dsp:txBody>
       <dsp:txXfrm>
-        <a:off x="1159235" y="530018"/>
+        <a:off x="1527714" y="556650"/>
         <a:ext cx="5995205" cy="1010017"/>
       </dsp:txXfrm>
     </dsp:sp>
@@ -3605,7 +3618,7 @@
       </dsp:nvSpPr>
       <dsp:spPr>
         <a:xfrm>
-          <a:off x="1072984" y="1734587"/>
+          <a:off x="2248183" y="1717217"/>
           <a:ext cx="6167706" cy="1119297"/>
         </a:xfrm>
         <a:prstGeom prst="roundRect">
@@ -3692,7 +3705,7 @@
         </a:p>
       </dsp:txBody>
       <dsp:txXfrm>
-        <a:off x="1127624" y="1789227"/>
+        <a:off x="2302823" y="1771857"/>
         <a:ext cx="6058426" cy="1010017"/>
       </dsp:txXfrm>
     </dsp:sp>
@@ -3703,7 +3716,7 @@
       </dsp:nvSpPr>
       <dsp:spPr>
         <a:xfrm>
-          <a:off x="1030279" y="2993796"/>
+          <a:off x="2835780" y="3029307"/>
           <a:ext cx="6253117" cy="1119297"/>
         </a:xfrm>
         <a:prstGeom prst="roundRect">
@@ -3790,7 +3803,7 @@
         </a:p>
       </dsp:txBody>
       <dsp:txXfrm>
-        <a:off x="1084919" y="3048436"/>
+        <a:off x="2890420" y="3083947"/>
         <a:ext cx="6143837" cy="1010017"/>
       </dsp:txXfrm>
     </dsp:sp>
@@ -13132,8 +13145,8 @@
         </p:nvSpPr>
         <p:spPr>
           <a:xfrm>
-            <a:off x="1264024" y="1506071"/>
-            <a:ext cx="9592235" cy="4801314"/>
+            <a:off x="1299883" y="1506071"/>
+            <a:ext cx="9592235" cy="5355312"/>
           </a:xfrm>
           <a:prstGeom prst="rect">
             <a:avLst/>
@@ -13148,7 +13161,13 @@
           <a:p>
             <a:r>
               <a:rPr lang="en-US" sz="4800" dirty="0"/>
-              <a:t>                  Team Details </a:t>
+              <a:t>                </a:t>
+            </a:r>
+            <a:r>
+              <a:rPr lang="en-US" sz="4800" dirty="0">
+                <a:latin typeface="Arial Rounded MT Bold" panose="020F0704030504030204" pitchFamily="34" charset="0"/>
+              </a:rPr>
+              <a:t>Team Details</a:t>
             </a:r>
           </a:p>
           <a:p>
@@ -13157,19 +13176,25 @@
           <a:p>
             <a:r>
               <a:rPr lang="en-US" dirty="0"/>
-              <a:t>                                                   </a:t>
+              <a:t>                                           </a:t>
             </a:r>
             <a:r>
-              <a:rPr lang="en-US" sz="3200" dirty="0"/>
-              <a:t>“Team </a:t>
+              <a:rPr lang="en-US" sz="3200" dirty="0">
+                <a:latin typeface="Arial Black" panose="020B0A04020102020204" pitchFamily="34" charset="0"/>
+              </a:rPr>
+              <a:t>“ Team </a:t>
             </a:r>
             <a:r>
-              <a:rPr lang="en-US" sz="3200" dirty="0" err="1"/>
+              <a:rPr lang="en-US" sz="3200" dirty="0" err="1">
+                <a:latin typeface="Arial Black" panose="020B0A04020102020204" pitchFamily="34" charset="0"/>
+              </a:rPr>
               <a:t>Oyomoy</a:t>
             </a:r>
             <a:r>
-              <a:rPr lang="en-US" sz="3200" dirty="0"/>
-              <a:t>”</a:t>
+              <a:rPr lang="en-US" sz="3200" dirty="0">
+                <a:latin typeface="Arial Black" panose="020B0A04020102020204" pitchFamily="34" charset="0"/>
+              </a:rPr>
+              <a:t> ”</a:t>
             </a:r>
           </a:p>
           <a:p>
@@ -13180,8 +13205,14 @@
               <a:rPr lang="en-US" dirty="0">
                 <a:latin typeface="Bell MT" panose="02020503060305020303" pitchFamily="18" charset="0"/>
               </a:rPr>
-              <a:t>                                                                                                   University of Dhaka </a:t>
+              <a:t>                                                     </a:t>
             </a:r>
+            <a:r>
+              <a:rPr lang="en-US" sz="2400" b="1" dirty="0">
+                <a:latin typeface="Arial Black" panose="020B0A04020102020204" pitchFamily="34" charset="0"/>
+              </a:rPr>
+              <a:t>University of Dhaka </a:t>
+            </a:r>
           </a:p>
           <a:p>
             <a:endParaRPr lang="en-US" dirty="0"/>
@@ -13193,9 +13224,13 @@
             <a:endParaRPr lang="en-US" dirty="0"/>
           </a:p>
           <a:p>
+            <a:r>
+              <a:rPr lang="en-US" sz="2800" b="1" dirty="0"/>
+              <a:t>Member</a:t>
+            </a:r>
             <a:r>
               <a:rPr lang="en-US" sz="2800" dirty="0"/>
-              <a:t>Member information: </a:t>
+              <a:t> Information</a:t>
             </a:r>
           </a:p>
           <a:p>
@@ -13211,8 +13246,12 @@
               <a:buChar char="q"/>
             </a:pPr>
             <a:r>
-              <a:rPr lang="en-US" dirty="0"/>
-              <a:t>Team leader : Jubair Hasan </a:t>
+              <a:rPr lang="en-US" sz="2800" dirty="0"/>
+              <a:t>Team leader: </a:t>
+            </a:r>
+            <a:r>
+              <a:rPr lang="en-US" sz="2800" b="1" dirty="0"/>
+              <a:t>Jubair Hasan </a:t>
             </a:r>
           </a:p>
           <a:p>
@@ -13221,15 +13260,15 @@
               <a:buChar char="q"/>
             </a:pPr>
             <a:r>
-              <a:rPr lang="en-US" dirty="0"/>
-              <a:t>Member 1 : </a:t>
+              <a:rPr lang="en-US" sz="2800" dirty="0"/>
+              <a:t>Member 1: </a:t>
             </a:r>
             <a:r>
-              <a:rPr lang="en-US" dirty="0" err="1"/>
+              <a:rPr lang="en-US" sz="2800" b="1" dirty="0" err="1"/>
               <a:t>Eshrat</a:t>
             </a:r>
             <a:r>
-              <a:rPr lang="en-US" dirty="0"/>
+              <a:rPr lang="en-US" sz="2800" b="1" dirty="0"/>
               <a:t> Jahan</a:t>
             </a:r>
           </a:p>
@@ -13239,30 +13278,30 @@
               <a:buChar char="q"/>
             </a:pPr>
             <a:r>
-              <a:rPr lang="en-US" dirty="0"/>
+              <a:rPr lang="en-US" sz="2800" dirty="0"/>
               <a:t>Member 2: </a:t>
             </a:r>
             <a:r>
-              <a:rPr lang="en-US" dirty="0" err="1"/>
+              <a:rPr lang="en-US" sz="2800" b="1" dirty="0" err="1"/>
               <a:t>Mahfuz</a:t>
             </a:r>
             <a:r>
-              <a:rPr lang="en-US" dirty="0"/>
+              <a:rPr lang="en-US" sz="2800" b="1" dirty="0"/>
               <a:t> </a:t>
             </a:r>
             <a:r>
-              <a:rPr lang="en-US" dirty="0" err="1"/>
+              <a:rPr lang="en-US" sz="2800" b="1" dirty="0" err="1"/>
               <a:t>Sarker</a:t>
             </a:r>
             <a:r>
-              <a:rPr lang="en-US" dirty="0"/>
+              <a:rPr lang="en-US" sz="2800" b="1" dirty="0"/>
               <a:t> </a:t>
             </a:r>
             <a:r>
-              <a:rPr lang="en-US" dirty="0" err="1"/>
+              <a:rPr lang="en-US" sz="2800" b="1" dirty="0" err="1"/>
               <a:t>Shykot</a:t>
             </a:r>
-            <a:endParaRPr lang="en-US" dirty="0"/>
+            <a:endParaRPr lang="en-US" sz="2800" b="1" dirty="0"/>
           </a:p>
           <a:p>
             <a:endParaRPr lang="en-US" dirty="0"/>
@@ -13283,7 +13322,7 @@
         </p:nvSpPr>
         <p:spPr>
           <a:xfrm>
-            <a:off x="1201271" y="4195482"/>
+            <a:off x="1139127" y="4257627"/>
             <a:ext cx="4078941" cy="950258"/>
           </a:xfrm>
           <a:prstGeom prst="rightArrow">
@@ -13312,7 +13351,10 @@
           <a:lstStyle/>
           <a:p>
             <a:pPr algn="ctr"/>
-            <a:endParaRPr lang="en-US"/>
+            <a:r>
+              <a:rPr lang="en-US" dirty="0"/>
+              <a:t>s</a:t>
+            </a:r>
           </a:p>
         </p:txBody>
       </p:sp>
@@ -13330,8 +13372,8 @@
         </p:nvSpPr>
         <p:spPr>
           <a:xfrm>
-            <a:off x="3074895" y="54905"/>
-            <a:ext cx="7261411" cy="1015663"/>
+            <a:off x="2258018" y="54905"/>
+            <a:ext cx="7675963" cy="1015663"/>
           </a:xfrm>
           <a:prstGeom prst="rect">
             <a:avLst/>
@@ -13351,6 +13393,7 @@
                     <a:lumMod val="50000"/>
                   </a:schemeClr>
                 </a:solidFill>
+                <a:latin typeface="British Council Sans Black" panose="020B0A04020202020204" pitchFamily="34" charset="0"/>
               </a:rPr>
               <a:t>HackNSU</a:t>
             </a:r>
@@ -13361,6 +13404,7 @@
                     <a:lumMod val="50000"/>
                   </a:schemeClr>
                 </a:solidFill>
+                <a:latin typeface="British Council Sans Black" panose="020B0A04020202020204" pitchFamily="34" charset="0"/>
               </a:rPr>
               <a:t> Season 4 </a:t>
             </a:r>
@@ -13960,8 +14004,8 @@
         </p:nvSpPr>
         <p:spPr>
           <a:xfrm>
-            <a:off x="2061883" y="782778"/>
-            <a:ext cx="5611906" cy="523220"/>
+            <a:off x="1777798" y="782778"/>
+            <a:ext cx="6203576" cy="523220"/>
           </a:xfrm>
           <a:prstGeom prst="rect">
             <a:avLst/>
@@ -13975,8 +14019,10 @@
           <a:lstStyle/>
           <a:p>
             <a:r>
-              <a:rPr lang="en-US" sz="2800" b="1" dirty="0"/>
-              <a:t>Estimated revenue calculation</a:t>
+              <a:rPr lang="en-US" sz="2800" b="1" dirty="0">
+                <a:latin typeface="British Council Sans Black" panose="020B0A04020202020204" pitchFamily="34" charset="0"/>
+              </a:rPr>
+              <a:t>Estimated Revenue Calculation</a:t>
             </a:r>
           </a:p>
         </p:txBody>
@@ -14024,224 +14070,235 @@
           <a:lstStyle/>
           <a:p>
             <a:pPr algn="ctr"/>
-            <a:endParaRPr lang="en-US"/>
+            <a:endParaRPr lang="en-US" b="1"/>
           </a:p>
         </p:txBody>
       </p:sp>
-      <p:sp>
-        <p:nvSpPr>
-          <p:cNvPr id="6" name="TextBox 5">
+      <p:grpSp>
+        <p:nvGrpSpPr>
+          <p:cNvPr id="2" name="Group 1">
             <a:extLst>
               <a:ext uri="{FF2B5EF4-FFF2-40B4-BE49-F238E27FC236}">
-                <a16:creationId xmlns:a16="http://schemas.microsoft.com/office/drawing/2014/main" id="{7CFBCB7F-F657-4EA8-912F-C2F45E3CE5B5}"/>
+                <a16:creationId xmlns:a16="http://schemas.microsoft.com/office/drawing/2014/main" id="{7EBD6243-436C-4D9F-9E47-4C62F432093F}"/>
               </a:ext>
             </a:extLst>
           </p:cNvPr>
-          <p:cNvSpPr txBox="1"/>
+          <p:cNvGrpSpPr/>
           <p:nvPr/>
-        </p:nvSpPr>
-        <p:spPr>
+        </p:nvGrpSpPr>
+        <p:grpSpPr>
           <a:xfrm>
-            <a:off x="1676400" y="2034988"/>
-            <a:ext cx="6589059" cy="369332"/>
+            <a:off x="1143740" y="1750903"/>
+            <a:ext cx="8059270" cy="5806032"/>
+            <a:chOff x="1676400" y="2034988"/>
+            <a:chExt cx="8059270" cy="5806032"/>
           </a:xfrm>
-          <a:prstGeom prst="rect">
-            <a:avLst/>
-          </a:prstGeom>
-          <a:noFill/>
-        </p:spPr>
-        <p:txBody>
-          <a:bodyPr wrap="square" rtlCol="0">
-            <a:spAutoFit/>
-          </a:bodyPr>
-          <a:lstStyle/>
-          <a:p>
-            <a:pPr marL="285750" indent="-285750">
-              <a:buFont typeface="Wingdings" panose="05000000000000000000" pitchFamily="2" charset="2"/>
-              <a:buChar char="q"/>
-            </a:pPr>
-            <a:r>
-              <a:rPr lang="en-US" dirty="0"/>
-              <a:t>Number of local buses : 2500</a:t>
-            </a:r>
-          </a:p>
-        </p:txBody>
-      </p:sp>
-      <p:sp>
-        <p:nvSpPr>
-          <p:cNvPr id="8" name="TextBox 7">
-            <a:extLst>
-              <a:ext uri="{FF2B5EF4-FFF2-40B4-BE49-F238E27FC236}">
-                <a16:creationId xmlns:a16="http://schemas.microsoft.com/office/drawing/2014/main" id="{0EF334D1-A37E-4DE6-B908-07A85A2F3391}"/>
-              </a:ext>
-            </a:extLst>
-          </p:cNvPr>
-          <p:cNvSpPr txBox="1"/>
-          <p:nvPr/>
-        </p:nvSpPr>
-        <p:spPr>
-          <a:xfrm>
-            <a:off x="1676400" y="2516485"/>
-            <a:ext cx="8059270" cy="4801314"/>
-          </a:xfrm>
-          <a:prstGeom prst="rect">
-            <a:avLst/>
-          </a:prstGeom>
-          <a:noFill/>
-        </p:spPr>
-        <p:txBody>
-          <a:bodyPr wrap="square" rtlCol="0">
-            <a:spAutoFit/>
-          </a:bodyPr>
-          <a:lstStyle/>
-          <a:p>
-            <a:pPr marL="285750" indent="-285750">
-              <a:buFont typeface="Wingdings" panose="05000000000000000000" pitchFamily="2" charset="2"/>
-              <a:buChar char="q"/>
-            </a:pPr>
-            <a:r>
-              <a:rPr lang="en-US" dirty="0"/>
-              <a:t>Average seat per bus : 50</a:t>
-            </a:r>
-          </a:p>
-          <a:p>
-            <a:pPr marL="285750" indent="-285750">
-              <a:buFont typeface="Wingdings" panose="05000000000000000000" pitchFamily="2" charset="2"/>
-              <a:buChar char="q"/>
-            </a:pPr>
-            <a:endParaRPr lang="en-US" dirty="0"/>
-          </a:p>
-          <a:p>
-            <a:pPr marL="285750" indent="-285750">
-              <a:buFont typeface="Wingdings" panose="05000000000000000000" pitchFamily="2" charset="2"/>
-              <a:buChar char="q"/>
-            </a:pPr>
-            <a:r>
-              <a:rPr lang="en-US" dirty="0"/>
-              <a:t>Number of trips in a day : 6</a:t>
-            </a:r>
-          </a:p>
-          <a:p>
-            <a:pPr marL="285750" indent="-285750">
-              <a:buFont typeface="Wingdings" panose="05000000000000000000" pitchFamily="2" charset="2"/>
-              <a:buChar char="q"/>
-            </a:pPr>
-            <a:endParaRPr lang="en-US" dirty="0"/>
-          </a:p>
-          <a:p>
-            <a:pPr marL="285750" indent="-285750">
-              <a:buFont typeface="Wingdings" panose="05000000000000000000" pitchFamily="2" charset="2"/>
-              <a:buChar char="q"/>
-            </a:pPr>
-            <a:r>
-              <a:rPr lang="en-US" dirty="0"/>
-              <a:t>Number of possible transactions : 6*50*2500 = 750000</a:t>
-            </a:r>
-          </a:p>
-          <a:p>
-            <a:pPr marL="285750" indent="-285750">
-              <a:buFont typeface="Wingdings" panose="05000000000000000000" pitchFamily="2" charset="2"/>
-              <a:buChar char="q"/>
-            </a:pPr>
-            <a:endParaRPr lang="en-US" dirty="0"/>
-          </a:p>
-          <a:p>
-            <a:pPr marL="285750" indent="-285750">
-              <a:buFont typeface="Wingdings" panose="05000000000000000000" pitchFamily="2" charset="2"/>
-              <a:buChar char="q"/>
-            </a:pPr>
-            <a:r>
-              <a:rPr lang="en-US" dirty="0"/>
-              <a:t>Average </a:t>
-            </a:r>
-            <a:r>
-              <a:rPr lang="en-US" dirty="0" err="1"/>
-              <a:t>tk</a:t>
-            </a:r>
-            <a:r>
-              <a:rPr lang="en-US" dirty="0"/>
-              <a:t> per transaction : 15 </a:t>
-            </a:r>
-            <a:r>
-              <a:rPr lang="en-US" dirty="0" err="1"/>
-              <a:t>tk</a:t>
-            </a:r>
-            <a:endParaRPr lang="en-US" dirty="0"/>
-          </a:p>
-          <a:p>
-            <a:pPr marL="285750" indent="-285750">
-              <a:buFont typeface="Wingdings" panose="05000000000000000000" pitchFamily="2" charset="2"/>
-              <a:buChar char="q"/>
-            </a:pPr>
-            <a:endParaRPr lang="en-US" dirty="0"/>
-          </a:p>
-          <a:p>
-            <a:pPr marL="285750" indent="-285750">
-              <a:buFont typeface="Wingdings" panose="05000000000000000000" pitchFamily="2" charset="2"/>
-              <a:buChar char="q"/>
-            </a:pPr>
-            <a:r>
-              <a:rPr lang="en-US" dirty="0"/>
-              <a:t>Total money received : 15* 750000 = 1,12,50000 per day</a:t>
-            </a:r>
-          </a:p>
-          <a:p>
-            <a:pPr marL="285750" indent="-285750">
-              <a:buFont typeface="Wingdings" panose="05000000000000000000" pitchFamily="2" charset="2"/>
-              <a:buChar char="q"/>
-            </a:pPr>
-            <a:endParaRPr lang="en-US" dirty="0"/>
-          </a:p>
-          <a:p>
-            <a:pPr marL="285750" indent="-285750">
-              <a:buFont typeface="Wingdings" panose="05000000000000000000" pitchFamily="2" charset="2"/>
-              <a:buChar char="q"/>
-            </a:pPr>
-            <a:r>
-              <a:rPr lang="en-US" dirty="0"/>
-              <a:t>Profit Margin : 1,12,50000*2% = 225000 per day</a:t>
-            </a:r>
-          </a:p>
-          <a:p>
-            <a:pPr marL="285750" indent="-285750">
-              <a:buFont typeface="Wingdings" panose="05000000000000000000" pitchFamily="2" charset="2"/>
-              <a:buChar char="q"/>
-            </a:pPr>
-            <a:endParaRPr lang="en-US" dirty="0"/>
-          </a:p>
-          <a:p>
-            <a:pPr marL="285750" indent="-285750">
-              <a:buFont typeface="Wingdings" panose="05000000000000000000" pitchFamily="2" charset="2"/>
-              <a:buChar char="q"/>
-            </a:pPr>
-            <a:r>
-              <a:rPr lang="en-US" dirty="0"/>
-              <a:t>Per Year Revenue : 8,21,25,000 </a:t>
-            </a:r>
-            <a:r>
-              <a:rPr lang="en-US" dirty="0" err="1"/>
-              <a:t>tk</a:t>
-            </a:r>
-            <a:endParaRPr lang="en-US" dirty="0"/>
-          </a:p>
-          <a:p>
-            <a:pPr marL="285750" indent="-285750">
-              <a:buFont typeface="Wingdings" panose="05000000000000000000" pitchFamily="2" charset="2"/>
-              <a:buChar char="q"/>
-            </a:pPr>
-            <a:endParaRPr lang="en-US" dirty="0"/>
-          </a:p>
-          <a:p>
-            <a:endParaRPr lang="en-US" dirty="0"/>
-          </a:p>
-          <a:p>
-            <a:endParaRPr lang="en-US" dirty="0"/>
-          </a:p>
-          <a:p>
-            <a:endParaRPr lang="en-US" dirty="0"/>
-          </a:p>
-        </p:txBody>
-      </p:sp>
+        </p:grpSpPr>
+        <p:sp>
+          <p:nvSpPr>
+            <p:cNvPr id="6" name="TextBox 5">
+              <a:extLst>
+                <a:ext uri="{FF2B5EF4-FFF2-40B4-BE49-F238E27FC236}">
+                  <a16:creationId xmlns:a16="http://schemas.microsoft.com/office/drawing/2014/main" id="{7CFBCB7F-F657-4EA8-912F-C2F45E3CE5B5}"/>
+                </a:ext>
+              </a:extLst>
+            </p:cNvPr>
+            <p:cNvSpPr txBox="1"/>
+            <p:nvPr/>
+          </p:nvSpPr>
+          <p:spPr>
+            <a:xfrm>
+              <a:off x="1676400" y="2034988"/>
+              <a:ext cx="6589059" cy="400110"/>
+            </a:xfrm>
+            <a:prstGeom prst="rect">
+              <a:avLst/>
+            </a:prstGeom>
+            <a:noFill/>
+          </p:spPr>
+          <p:txBody>
+            <a:bodyPr wrap="square" rtlCol="0">
+              <a:spAutoFit/>
+            </a:bodyPr>
+            <a:lstStyle/>
+            <a:p>
+              <a:pPr marL="285750" indent="-285750">
+                <a:buFont typeface="Wingdings" panose="05000000000000000000" pitchFamily="2" charset="2"/>
+                <a:buChar char="q"/>
+              </a:pPr>
+              <a:r>
+                <a:rPr lang="en-US" sz="2000" b="1" dirty="0"/>
+                <a:t>Number of local buses : 2500</a:t>
+              </a:r>
+            </a:p>
+          </p:txBody>
+        </p:sp>
+        <p:sp>
+          <p:nvSpPr>
+            <p:cNvPr id="8" name="TextBox 7">
+              <a:extLst>
+                <a:ext uri="{FF2B5EF4-FFF2-40B4-BE49-F238E27FC236}">
+                  <a16:creationId xmlns:a16="http://schemas.microsoft.com/office/drawing/2014/main" id="{0EF334D1-A37E-4DE6-B908-07A85A2F3391}"/>
+                </a:ext>
+              </a:extLst>
+            </p:cNvPr>
+            <p:cNvSpPr txBox="1"/>
+            <p:nvPr/>
+          </p:nvSpPr>
+          <p:spPr>
+            <a:xfrm>
+              <a:off x="1676400" y="2516485"/>
+              <a:ext cx="8059270" cy="5324535"/>
+            </a:xfrm>
+            <a:prstGeom prst="rect">
+              <a:avLst/>
+            </a:prstGeom>
+            <a:noFill/>
+          </p:spPr>
+          <p:txBody>
+            <a:bodyPr wrap="square" rtlCol="0">
+              <a:spAutoFit/>
+            </a:bodyPr>
+            <a:lstStyle/>
+            <a:p>
+              <a:pPr marL="285750" indent="-285750">
+                <a:buFont typeface="Wingdings" panose="05000000000000000000" pitchFamily="2" charset="2"/>
+                <a:buChar char="q"/>
+              </a:pPr>
+              <a:r>
+                <a:rPr lang="en-US" sz="2000" b="1" dirty="0"/>
+                <a:t>Average seat per bus : 50</a:t>
+              </a:r>
+            </a:p>
+            <a:p>
+              <a:pPr marL="285750" indent="-285750">
+                <a:buFont typeface="Wingdings" panose="05000000000000000000" pitchFamily="2" charset="2"/>
+                <a:buChar char="q"/>
+              </a:pPr>
+              <a:endParaRPr lang="en-US" sz="2000" b="1" dirty="0"/>
+            </a:p>
+            <a:p>
+              <a:pPr marL="285750" indent="-285750">
+                <a:buFont typeface="Wingdings" panose="05000000000000000000" pitchFamily="2" charset="2"/>
+                <a:buChar char="q"/>
+              </a:pPr>
+              <a:r>
+                <a:rPr lang="en-US" sz="2000" b="1" dirty="0"/>
+                <a:t>Number of trips in a day : 6</a:t>
+              </a:r>
+            </a:p>
+            <a:p>
+              <a:pPr marL="285750" indent="-285750">
+                <a:buFont typeface="Wingdings" panose="05000000000000000000" pitchFamily="2" charset="2"/>
+                <a:buChar char="q"/>
+              </a:pPr>
+              <a:endParaRPr lang="en-US" sz="2000" b="1" dirty="0"/>
+            </a:p>
+            <a:p>
+              <a:pPr marL="285750" indent="-285750">
+                <a:buFont typeface="Wingdings" panose="05000000000000000000" pitchFamily="2" charset="2"/>
+                <a:buChar char="q"/>
+              </a:pPr>
+              <a:r>
+                <a:rPr lang="en-US" sz="2000" b="1" dirty="0"/>
+                <a:t>Number of possible transactions : 6*50*2500 = 750000</a:t>
+              </a:r>
+            </a:p>
+            <a:p>
+              <a:pPr marL="285750" indent="-285750">
+                <a:buFont typeface="Wingdings" panose="05000000000000000000" pitchFamily="2" charset="2"/>
+                <a:buChar char="q"/>
+              </a:pPr>
+              <a:endParaRPr lang="en-US" sz="2000" b="1" dirty="0"/>
+            </a:p>
+            <a:p>
+              <a:pPr marL="285750" indent="-285750">
+                <a:buFont typeface="Wingdings" panose="05000000000000000000" pitchFamily="2" charset="2"/>
+                <a:buChar char="q"/>
+              </a:pPr>
+              <a:r>
+                <a:rPr lang="en-US" sz="2000" b="1" dirty="0"/>
+                <a:t>Average </a:t>
+              </a:r>
+              <a:r>
+                <a:rPr lang="en-US" sz="2000" b="1" dirty="0" err="1"/>
+                <a:t>tk</a:t>
+              </a:r>
+              <a:r>
+                <a:rPr lang="en-US" sz="2000" b="1" dirty="0"/>
+                <a:t> per transaction : BDT 15</a:t>
+              </a:r>
+            </a:p>
+            <a:p>
+              <a:pPr marL="285750" indent="-285750">
+                <a:buFont typeface="Wingdings" panose="05000000000000000000" pitchFamily="2" charset="2"/>
+                <a:buChar char="q"/>
+              </a:pPr>
+              <a:endParaRPr lang="en-US" sz="2000" b="1" dirty="0"/>
+            </a:p>
+            <a:p>
+              <a:pPr marL="285750" indent="-285750">
+                <a:buFont typeface="Wingdings" panose="05000000000000000000" pitchFamily="2" charset="2"/>
+                <a:buChar char="q"/>
+              </a:pPr>
+              <a:r>
+                <a:rPr lang="en-US" sz="2000" b="1" dirty="0"/>
+                <a:t>Total money received : 15* 750000 = 1,12,50000 per day</a:t>
+              </a:r>
+            </a:p>
+            <a:p>
+              <a:pPr marL="285750" indent="-285750">
+                <a:buFont typeface="Wingdings" panose="05000000000000000000" pitchFamily="2" charset="2"/>
+                <a:buChar char="q"/>
+              </a:pPr>
+              <a:endParaRPr lang="en-US" sz="2000" b="1" dirty="0"/>
+            </a:p>
+            <a:p>
+              <a:pPr marL="285750" indent="-285750">
+                <a:buFont typeface="Wingdings" panose="05000000000000000000" pitchFamily="2" charset="2"/>
+                <a:buChar char="q"/>
+              </a:pPr>
+              <a:r>
+                <a:rPr lang="en-US" sz="2000" b="1" dirty="0"/>
+                <a:t>Profit Margin : 1,12,50000*2% = 225000 per day</a:t>
+              </a:r>
+            </a:p>
+            <a:p>
+              <a:pPr marL="285750" indent="-285750">
+                <a:buFont typeface="Wingdings" panose="05000000000000000000" pitchFamily="2" charset="2"/>
+                <a:buChar char="q"/>
+              </a:pPr>
+              <a:endParaRPr lang="en-US" sz="2000" b="1" dirty="0"/>
+            </a:p>
+            <a:p>
+              <a:pPr marL="285750" indent="-285750">
+                <a:buFont typeface="Wingdings" panose="05000000000000000000" pitchFamily="2" charset="2"/>
+                <a:buChar char="q"/>
+              </a:pPr>
+              <a:r>
+                <a:rPr lang="en-US" sz="2000" b="1" dirty="0"/>
+                <a:t>Per Year Revenue : BDT 8,21,25,000</a:t>
+              </a:r>
+            </a:p>
+            <a:p>
+              <a:pPr marL="285750" indent="-285750">
+                <a:buFont typeface="Wingdings" panose="05000000000000000000" pitchFamily="2" charset="2"/>
+                <a:buChar char="q"/>
+              </a:pPr>
+              <a:endParaRPr lang="en-US" sz="2000" b="1" dirty="0"/>
+            </a:p>
+            <a:p>
+              <a:endParaRPr lang="en-US" sz="2000" b="1" dirty="0"/>
+            </a:p>
+            <a:p>
+              <a:endParaRPr lang="en-US" sz="2000" b="1" dirty="0"/>
+            </a:p>
+            <a:p>
+              <a:endParaRPr lang="en-US" sz="2000" b="1" dirty="0"/>
+            </a:p>
+          </p:txBody>
+        </p:sp>
+      </p:grpSp>
     </p:spTree>
     <p:extLst>
       <p:ext uri="{BB962C8B-B14F-4D97-AF65-F5344CB8AC3E}">
@@ -14286,7 +14343,7 @@
         </p:nvSpPr>
         <p:spPr>
           <a:xfrm>
-            <a:off x="1676401" y="609600"/>
+            <a:off x="1294661" y="689499"/>
             <a:ext cx="6024282" cy="646331"/>
           </a:xfrm>
           <a:prstGeom prst="rect">
@@ -14301,8 +14358,10 @@
           <a:lstStyle/>
           <a:p>
             <a:r>
-              <a:rPr lang="en-US" sz="3600" b="1" dirty="0"/>
-              <a:t>Marketing :</a:t>
+              <a:rPr lang="en-US" sz="3600" b="1" dirty="0">
+                <a:latin typeface="British Council Sans Black" panose="020B0A04020202020204" pitchFamily="34" charset="0"/>
+              </a:rPr>
+              <a:t>Marketing</a:t>
             </a:r>
           </a:p>
         </p:txBody>
@@ -14322,7 +14381,7 @@
         <p:spPr>
           <a:xfrm>
             <a:off x="546847" y="1559859"/>
-            <a:ext cx="11645153" cy="4801314"/>
+            <a:ext cx="11645153" cy="6740307"/>
           </a:xfrm>
           <a:prstGeom prst="rect">
             <a:avLst/>
@@ -14340,7 +14399,7 @@
               <a:buChar char="•"/>
             </a:pPr>
             <a:r>
-              <a:rPr lang="en-US" dirty="0"/>
+              <a:rPr lang="en-US" sz="2400" b="1" dirty="0"/>
               <a:t> Propose win-win business model to owners</a:t>
             </a:r>
           </a:p>
@@ -14349,7 +14408,7 @@
               <a:buFont typeface="Arial" panose="020B0604020202020204" pitchFamily="34" charset="0"/>
               <a:buChar char="•"/>
             </a:pPr>
-            <a:endParaRPr lang="en-US" dirty="0"/>
+            <a:endParaRPr lang="en-US" sz="2400" b="1" dirty="0"/>
           </a:p>
           <a:p>
             <a:pPr marL="285750" indent="-285750">
@@ -14357,15 +14416,15 @@
               <a:buChar char="•"/>
             </a:pPr>
             <a:r>
-              <a:rPr lang="en-US" dirty="0"/>
+              <a:rPr lang="en-US" sz="2400" b="1" dirty="0"/>
               <a:t>Making campaign and </a:t>
             </a:r>
             <a:r>
-              <a:rPr lang="en-US" dirty="0" err="1"/>
+              <a:rPr lang="en-US" sz="2400" b="1" dirty="0" err="1"/>
               <a:t>tvc</a:t>
             </a:r>
             <a:r>
-              <a:rPr lang="en-US" dirty="0"/>
+              <a:rPr lang="en-US" sz="2400" b="1" dirty="0"/>
               <a:t> for the mass audience</a:t>
             </a:r>
           </a:p>
@@ -14374,7 +14433,7 @@
               <a:buFont typeface="Arial" panose="020B0604020202020204" pitchFamily="34" charset="0"/>
               <a:buChar char="•"/>
             </a:pPr>
-            <a:endParaRPr lang="en-US" dirty="0"/>
+            <a:endParaRPr lang="en-US" sz="2400" b="1" dirty="0"/>
           </a:p>
           <a:p>
             <a:pPr marL="285750" indent="-285750">
@@ -14382,7 +14441,7 @@
               <a:buChar char="•"/>
             </a:pPr>
             <a:r>
-              <a:rPr lang="en-US" dirty="0"/>
+              <a:rPr lang="en-US" sz="2400" b="1" dirty="0"/>
               <a:t>Assuring comfort to passengers</a:t>
             </a:r>
           </a:p>
@@ -14391,7 +14450,7 @@
               <a:buFont typeface="Arial" panose="020B0604020202020204" pitchFamily="34" charset="0"/>
               <a:buChar char="•"/>
             </a:pPr>
-            <a:endParaRPr lang="en-US" dirty="0"/>
+            <a:endParaRPr lang="en-US" sz="2400" b="1" dirty="0"/>
           </a:p>
           <a:p>
             <a:pPr marL="285750" indent="-285750">
@@ -14399,7 +14458,7 @@
               <a:buChar char="•"/>
             </a:pPr>
             <a:r>
-              <a:rPr lang="en-US" dirty="0"/>
+              <a:rPr lang="en-US" sz="2400" b="1" dirty="0"/>
               <a:t>Collaborating with mobile banking companies for massive marketing</a:t>
             </a:r>
           </a:p>
@@ -14408,7 +14467,7 @@
               <a:buFont typeface="Arial" panose="020B0604020202020204" pitchFamily="34" charset="0"/>
               <a:buChar char="•"/>
             </a:pPr>
-            <a:endParaRPr lang="en-US" dirty="0"/>
+            <a:endParaRPr lang="en-US" sz="2400" b="1" dirty="0"/>
           </a:p>
           <a:p>
             <a:pPr marL="285750" indent="-285750">
@@ -14416,12 +14475,8 @@
               <a:buChar char="•"/>
             </a:pPr>
             <a:r>
-              <a:rPr lang="en-US" dirty="0" err="1"/>
-              <a:t>Hasslefree</a:t>
-            </a:r>
-            <a:r>
-              <a:rPr lang="en-US" dirty="0"/>
-              <a:t> payment system</a:t>
+              <a:rPr lang="en-US" sz="2400" b="1" dirty="0"/>
+              <a:t>Hassle-free payment system</a:t>
             </a:r>
           </a:p>
           <a:p>
@@ -14429,7 +14484,7 @@
               <a:buFont typeface="Arial" panose="020B0604020202020204" pitchFamily="34" charset="0"/>
               <a:buChar char="•"/>
             </a:pPr>
-            <a:endParaRPr lang="en-US" dirty="0"/>
+            <a:endParaRPr lang="en-US" sz="2400" b="1" dirty="0"/>
           </a:p>
           <a:p>
             <a:pPr marL="285750" indent="-285750">
@@ -14437,8 +14492,8 @@
               <a:buChar char="•"/>
             </a:pPr>
             <a:r>
-              <a:rPr lang="en-US" dirty="0"/>
-              <a:t>Giving advantages to travel in local bus in case of cash emergencies ( Emergency Loan System)</a:t>
+              <a:rPr lang="en-US" sz="2400" b="1" dirty="0"/>
+              <a:t>Giving advantages to travel in local bus in case of cash emergencies (Emergency Loan System - ELS)</a:t>
             </a:r>
           </a:p>
           <a:p>
@@ -14446,7 +14501,7 @@
               <a:buFont typeface="Arial" panose="020B0604020202020204" pitchFamily="34" charset="0"/>
               <a:buChar char="•"/>
             </a:pPr>
-            <a:endParaRPr lang="en-US" dirty="0"/>
+            <a:endParaRPr lang="en-US" sz="2400" b="1" dirty="0"/>
           </a:p>
           <a:p>
             <a:pPr marL="285750" indent="-285750">
@@ -14454,21 +14509,21 @@
               <a:buChar char="•"/>
             </a:pPr>
             <a:r>
-              <a:rPr lang="en-US" dirty="0"/>
+              <a:rPr lang="en-US" sz="2400" b="1" dirty="0"/>
               <a:t>No fear of stealing moneybag in local bus </a:t>
             </a:r>
           </a:p>
           <a:p>
-            <a:endParaRPr lang="en-US" dirty="0"/>
-          </a:p>
-          <a:p>
-            <a:endParaRPr lang="en-US" dirty="0"/>
-          </a:p>
-          <a:p>
-            <a:endParaRPr lang="en-US" dirty="0"/>
-          </a:p>
-          <a:p>
-            <a:endParaRPr lang="en-US" dirty="0"/>
+            <a:endParaRPr lang="en-US" sz="2400" b="1" dirty="0"/>
+          </a:p>
+          <a:p>
+            <a:endParaRPr lang="en-US" sz="2400" b="1" dirty="0"/>
+          </a:p>
+          <a:p>
+            <a:endParaRPr lang="en-US" sz="2400" b="1" dirty="0"/>
+          </a:p>
+          <a:p>
+            <a:endParaRPr lang="en-US" sz="2400" b="1" dirty="0"/>
           </a:p>
         </p:txBody>
       </p:sp>
@@ -14645,14 +14700,14 @@
           <p:nvPr>
             <p:extLst>
               <p:ext uri="{D42A27DB-BD31-4B8C-83A1-F6EECF244321}">
-                <p14:modId xmlns:p14="http://schemas.microsoft.com/office/powerpoint/2010/main" val="3527383338"/>
+                <p14:modId xmlns:p14="http://schemas.microsoft.com/office/powerpoint/2010/main" val="1267118255"/>
               </p:ext>
             </p:extLst>
           </p:nvPr>
         </p:nvGraphicFramePr>
         <p:xfrm>
-          <a:off x="0" y="1714003"/>
-          <a:ext cx="7539318" cy="4728384"/>
+          <a:off x="-168676" y="1714003"/>
+          <a:ext cx="12162408" cy="4728384"/>
         </p:xfrm>
         <a:graphic>
           <a:graphicData uri="http://schemas.openxmlformats.org/drawingml/2006/diagram">
@@ -14787,7 +14842,7 @@
                   </a:outerShdw>
                 </a:effectLst>
               </a:rPr>
-              <a:t>Thank You for Your Valuable Time</a:t>
+              <a:t>Thank You for Your Valuable Time !</a:t>
             </a:r>
           </a:p>
         </p:txBody>
@@ -14836,7 +14891,7 @@
         </p:nvSpPr>
         <p:spPr>
           <a:xfrm>
-            <a:off x="466166" y="1281954"/>
+            <a:off x="466166" y="1619307"/>
             <a:ext cx="6992471" cy="769441"/>
           </a:xfrm>
           <a:prstGeom prst="rect">
@@ -14851,10 +14906,10 @@
           <a:lstStyle/>
           <a:p>
             <a:r>
-              <a:rPr lang="en-US" sz="4400" u="sng" dirty="0">
-                <a:latin typeface="Algerian" panose="04020705040A02060702" pitchFamily="82" charset="0"/>
+              <a:rPr lang="en-US" sz="4400" dirty="0">
+                <a:latin typeface="British Council Sans Black" panose="020B0A04020202020204" pitchFamily="34" charset="0"/>
               </a:rPr>
-              <a:t>Selected Scope :</a:t>
+              <a:t>Selected Scope</a:t>
             </a:r>
           </a:p>
         </p:txBody>
@@ -14873,7 +14928,7 @@
         </p:nvSpPr>
         <p:spPr>
           <a:xfrm>
-            <a:off x="654424" y="3030071"/>
+            <a:off x="681057" y="2967928"/>
             <a:ext cx="10699377" cy="1873624"/>
           </a:xfrm>
           <a:prstGeom prst="rect">
@@ -14905,13 +14960,14 @@
           <a:bodyPr rtlCol="0" anchor="ctr"/>
           <a:lstStyle/>
           <a:p>
+            <a:pPr algn="just"/>
             <a:r>
               <a:rPr lang="en-US" sz="2800" b="1" dirty="0">
                 <a:solidFill>
                   <a:schemeClr val="tx1"/>
                 </a:solidFill>
               </a:rPr>
-              <a:t>Transport Efficiency in Bangladesh - Transport issues, payment, and booking have to be smooth, and payment rollback must be met</a:t>
+              <a:t>Transport Efficiency in Bangladesh - Transport issues, payment, and booking have to be smooth, and payment rollback must be met.</a:t>
             </a:r>
           </a:p>
         </p:txBody>
@@ -14963,7 +15019,7 @@
         </p:nvSpPr>
         <p:spPr>
           <a:xfrm>
-            <a:off x="2079811" y="3325905"/>
+            <a:off x="1041124" y="3095063"/>
             <a:ext cx="2402529" cy="616326"/>
           </a:xfrm>
           <a:prstGeom prst="rect">
@@ -14997,8 +15053,17 @@
                 <a:solidFill>
                   <a:schemeClr val="tx1"/>
                 </a:solidFill>
+                <a:latin typeface="British Council Sans Black" panose="020B0A04020202020204" pitchFamily="34" charset="0"/>
               </a:rPr>
-              <a:t>PROBLEMS </a:t>
+              <a:t>PROBLEMS</a:t>
+            </a:r>
+            <a:r>
+              <a:rPr lang="en-US" b="1" dirty="0">
+                <a:solidFill>
+                  <a:schemeClr val="tx1"/>
+                </a:solidFill>
+              </a:rPr>
+              <a:t> </a:t>
             </a:r>
           </a:p>
         </p:txBody>
@@ -15017,7 +15082,7 @@
         </p:nvSpPr>
         <p:spPr>
           <a:xfrm>
-            <a:off x="6320118" y="2113429"/>
+            <a:off x="5281431" y="1882587"/>
             <a:ext cx="1837764" cy="546847"/>
           </a:xfrm>
           <a:prstGeom prst="rect">
@@ -15047,7 +15112,7 @@
           <a:p>
             <a:pPr algn="ctr"/>
             <a:r>
-              <a:rPr lang="en-US" dirty="0">
+              <a:rPr lang="en-US" sz="2000" b="1" dirty="0">
                 <a:solidFill>
                   <a:schemeClr val="tx1"/>
                 </a:solidFill>
@@ -15071,7 +15136,7 @@
         </p:nvSpPr>
         <p:spPr>
           <a:xfrm>
-            <a:off x="6320117" y="3395384"/>
+            <a:off x="5281430" y="3164542"/>
             <a:ext cx="2644585" cy="546847"/>
           </a:xfrm>
           <a:prstGeom prst="rect">
@@ -15099,9 +15164,9 @@
           <a:bodyPr rtlCol="0" anchor="ctr"/>
           <a:lstStyle/>
           <a:p>
-            <a:pPr algn="ctr"/>
+            <a:pPr algn="just"/>
             <a:r>
-              <a:rPr lang="en-US" dirty="0">
+              <a:rPr lang="en-US" sz="2000" b="1" dirty="0">
                 <a:solidFill>
                   <a:schemeClr val="tx1"/>
                 </a:solidFill>
@@ -15125,8 +15190,8 @@
         </p:nvSpPr>
         <p:spPr>
           <a:xfrm>
-            <a:off x="6320118" y="4693025"/>
-            <a:ext cx="1837764" cy="484094"/>
+            <a:off x="5281430" y="4462183"/>
+            <a:ext cx="2042641" cy="538062"/>
           </a:xfrm>
           <a:prstGeom prst="rect">
             <a:avLst/>
@@ -15155,7 +15220,7 @@
           <a:p>
             <a:pPr algn="ctr"/>
             <a:r>
-              <a:rPr lang="en-US" dirty="0">
+              <a:rPr lang="en-US" sz="2000" b="1" dirty="0">
                 <a:solidFill>
                   <a:schemeClr val="tx1"/>
                 </a:solidFill>
@@ -15179,7 +15244,7 @@
         </p:nvSpPr>
         <p:spPr>
           <a:xfrm>
-            <a:off x="6320118" y="5927912"/>
+            <a:off x="5281431" y="5697070"/>
             <a:ext cx="1837759" cy="560293"/>
           </a:xfrm>
           <a:prstGeom prst="rect">
@@ -15209,7 +15274,7 @@
           <a:p>
             <a:pPr algn="ctr"/>
             <a:r>
-              <a:rPr lang="en-US" dirty="0">
+              <a:rPr lang="en-US" sz="2000" b="1" dirty="0">
                 <a:solidFill>
                   <a:schemeClr val="tx1"/>
                 </a:solidFill>
@@ -15237,7 +15302,7 @@
         </p:nvCxnSpPr>
         <p:spPr>
           <a:xfrm>
-            <a:off x="4482340" y="3634068"/>
+            <a:off x="3443653" y="3403226"/>
             <a:ext cx="1837777" cy="34740"/>
           </a:xfrm>
           <a:prstGeom prst="straightConnector1">
@@ -15278,7 +15343,7 @@
         </p:nvCxnSpPr>
         <p:spPr>
           <a:xfrm>
-            <a:off x="5082987" y="1120588"/>
+            <a:off x="4044300" y="889746"/>
             <a:ext cx="1" cy="5049372"/>
           </a:xfrm>
           <a:prstGeom prst="line">
@@ -15317,7 +15382,7 @@
         </p:nvCxnSpPr>
         <p:spPr>
           <a:xfrm>
-            <a:off x="5082987" y="1120588"/>
+            <a:off x="4044300" y="889746"/>
             <a:ext cx="1237131" cy="0"/>
           </a:xfrm>
           <a:prstGeom prst="straightConnector1">
@@ -15359,7 +15424,7 @@
         </p:nvCxnSpPr>
         <p:spPr>
           <a:xfrm flipV="1">
-            <a:off x="5082987" y="2386853"/>
+            <a:off x="4044300" y="2156011"/>
             <a:ext cx="1237131" cy="6725"/>
           </a:xfrm>
           <a:prstGeom prst="straightConnector1">
@@ -15401,8 +15466,8 @@
         </p:nvCxnSpPr>
         <p:spPr>
           <a:xfrm>
-            <a:off x="5082987" y="4935072"/>
-            <a:ext cx="1237131" cy="0"/>
+            <a:off x="4044300" y="4704230"/>
+            <a:ext cx="1237130" cy="26984"/>
           </a:xfrm>
           <a:prstGeom prst="straightConnector1">
             <a:avLst/>
@@ -15445,7 +15510,7 @@
         </p:nvCxnSpPr>
         <p:spPr>
           <a:xfrm flipV="1">
-            <a:off x="5082987" y="6189010"/>
+            <a:off x="4044300" y="5958168"/>
             <a:ext cx="1237130" cy="12327"/>
           </a:xfrm>
           <a:prstGeom prst="straightConnector1">
@@ -15487,7 +15552,7 @@
         </p:nvSpPr>
         <p:spPr>
           <a:xfrm>
-            <a:off x="6320118" y="831479"/>
+            <a:off x="5281431" y="600637"/>
             <a:ext cx="1837764" cy="546842"/>
           </a:xfrm>
           <a:prstGeom prst="rect">
@@ -15517,7 +15582,7 @@
           <a:p>
             <a:pPr algn="ctr"/>
             <a:r>
-              <a:rPr lang="en-US" dirty="0">
+              <a:rPr lang="en-US" sz="2000" b="1" dirty="0">
                 <a:solidFill>
                   <a:schemeClr val="tx1"/>
                 </a:solidFill>
@@ -15545,13 +15610,13 @@
   <p:clrMapOvr>
     <a:masterClrMapping/>
   </p:clrMapOvr>
-  <mc:AlternateContent xmlns:mc="http://schemas.openxmlformats.org/markup-compatibility/2006">
-    <mc:Choice xmlns:p14="http://schemas.microsoft.com/office/powerpoint/2010/main" Requires="p14">
+  <mc:AlternateContent xmlns:mc="http://schemas.openxmlformats.org/markup-compatibility/2006" xmlns:p14="http://schemas.microsoft.com/office/powerpoint/2010/main">
+    <mc:Choice Requires="p14">
       <p:transition spd="slow" p14:dur="1500">
         <p:split orient="vert"/>
       </p:transition>
     </mc:Choice>
-    <mc:Fallback>
+    <mc:Fallback xmlns="">
       <p:transition spd="slow">
         <p:split orient="vert"/>
       </p:transition>
@@ -15591,8 +15656,8 @@
         </p:nvSpPr>
         <p:spPr>
           <a:xfrm>
-            <a:off x="1703293" y="645458"/>
-            <a:ext cx="6122895" cy="584775"/>
+            <a:off x="2211410" y="547802"/>
+            <a:ext cx="8353017" cy="707886"/>
           </a:xfrm>
           <a:prstGeom prst="rect">
             <a:avLst/>
@@ -15606,8 +15671,10 @@
           <a:lstStyle/>
           <a:p>
             <a:r>
-              <a:rPr lang="en-US" sz="3200" b="1" dirty="0"/>
-              <a:t>Key reasons for the problems:</a:t>
+              <a:rPr lang="en-US" sz="4000" b="1" dirty="0">
+                <a:latin typeface="British Council Sans Black" panose="020B0A04020202020204" pitchFamily="34" charset="0"/>
+              </a:rPr>
+              <a:t>Key reasons for the problems</a:t>
             </a:r>
           </a:p>
         </p:txBody>
@@ -15653,7 +15720,7 @@
           <a:p>
             <a:pPr algn="ctr"/>
             <a:r>
-              <a:rPr lang="en-US" dirty="0">
+              <a:rPr lang="en-US" sz="2000" b="1" dirty="0">
                 <a:solidFill>
                   <a:schemeClr val="tx1"/>
                 </a:solidFill>
@@ -15704,20 +15771,12 @@
           <a:p>
             <a:pPr algn="ctr"/>
             <a:r>
-              <a:rPr lang="en-US" dirty="0" err="1">
+              <a:rPr lang="en-US" sz="2000" b="1" dirty="0">
                 <a:solidFill>
                   <a:schemeClr val="tx1"/>
                 </a:solidFill>
               </a:rPr>
-              <a:t>Overboarding</a:t>
-            </a:r>
-            <a:r>
-              <a:rPr lang="en-US" dirty="0">
-                <a:solidFill>
-                  <a:schemeClr val="tx1"/>
-                </a:solidFill>
-              </a:rPr>
-              <a:t> extra passengers </a:t>
+              <a:t>Overloading extra passengers </a:t>
             </a:r>
           </a:p>
         </p:txBody>
@@ -15763,7 +15822,7 @@
           <a:p>
             <a:pPr algn="ctr"/>
             <a:r>
-              <a:rPr lang="en-US" dirty="0">
+              <a:rPr lang="en-US" sz="2000" b="1" dirty="0">
                 <a:solidFill>
                   <a:schemeClr val="tx1"/>
                 </a:solidFill>
@@ -15814,7 +15873,7 @@
           <a:p>
             <a:pPr algn="ctr"/>
             <a:r>
-              <a:rPr lang="en-US" dirty="0">
+              <a:rPr lang="en-US" sz="2000" b="1" dirty="0">
                 <a:solidFill>
                   <a:schemeClr val="tx1"/>
                 </a:solidFill>
@@ -15865,7 +15924,7 @@
           <a:p>
             <a:pPr algn="ctr"/>
             <a:r>
-              <a:rPr lang="en-US" dirty="0">
+              <a:rPr lang="en-US" sz="2000" b="1" dirty="0">
                 <a:solidFill>
                   <a:schemeClr val="tx1"/>
                 </a:solidFill>
@@ -15916,11 +15975,11 @@
           <a:p>
             <a:pPr algn="ctr"/>
             <a:r>
-              <a:rPr lang="en-US" sz="3200" dirty="0">
+              <a:rPr lang="en-US" sz="3200" b="1" dirty="0">
                 <a:solidFill>
                   <a:schemeClr val="tx1"/>
                 </a:solidFill>
-                <a:latin typeface="Algerian" panose="04020705040A02060702" pitchFamily="82" charset="0"/>
+                <a:latin typeface="Arial Rounded MT Bold" panose="020F0704030504030204" pitchFamily="34" charset="0"/>
               </a:rPr>
               <a:t>Disaster in traffic management!</a:t>
             </a:r>
@@ -16220,8 +16279,8 @@
         </p:nvSpPr>
         <p:spPr>
           <a:xfrm>
-            <a:off x="3724835" y="523274"/>
-            <a:ext cx="4787153" cy="769441"/>
+            <a:off x="4489990" y="533012"/>
+            <a:ext cx="3212019" cy="830997"/>
           </a:xfrm>
           <a:prstGeom prst="rect">
             <a:avLst/>
@@ -16234,9 +16293,12 @@
           </a:bodyPr>
           <a:lstStyle/>
           <a:p>
+            <a:pPr algn="ctr"/>
             <a:r>
-              <a:rPr lang="en-US" sz="4400" dirty="0"/>
-              <a:t>        Solution </a:t>
+              <a:rPr lang="en-US" sz="4800" b="1" dirty="0">
+                <a:latin typeface="British Council Sans Black" panose="020B0A04020202020204" pitchFamily="34" charset="0"/>
+              </a:rPr>
+              <a:t>Solution </a:t>
             </a:r>
           </a:p>
         </p:txBody>
@@ -16255,7 +16317,7 @@
         </p:nvSpPr>
         <p:spPr>
           <a:xfrm>
-            <a:off x="2958353" y="3560366"/>
+            <a:off x="2958353" y="3753960"/>
             <a:ext cx="7584141" cy="584775"/>
           </a:xfrm>
           <a:prstGeom prst="rect">
@@ -16274,7 +16336,7 @@
               <a:t>           </a:t>
             </a:r>
             <a:r>
-              <a:rPr lang="en-US" sz="3200" dirty="0"/>
+              <a:rPr lang="en-US" sz="3200" b="1" dirty="0"/>
               <a:t>Prepaid Management System</a:t>
             </a:r>
           </a:p>
@@ -16345,7 +16407,7 @@
         <p:spPr>
           <a:xfrm>
             <a:off x="1739153" y="5514672"/>
-            <a:ext cx="2689411" cy="584775"/>
+            <a:ext cx="3047998" cy="584775"/>
           </a:xfrm>
           <a:prstGeom prst="rect">
             <a:avLst/>
@@ -16374,14 +16436,14 @@
           <a:p>
             <a:pPr algn="ctr"/>
             <a:r>
-              <a:rPr lang="en-US" dirty="0">
+              <a:rPr lang="en-US" sz="2000" b="1" dirty="0">
                 <a:solidFill>
                   <a:schemeClr val="tx1"/>
                 </a:solidFill>
               </a:rPr>
               <a:t>Personal Account Creation</a:t>
             </a:r>
-            <a:endParaRPr lang="en-US" dirty="0"/>
+            <a:endParaRPr lang="en-US" sz="2000" b="1" dirty="0"/>
           </a:p>
         </p:txBody>
       </p:sp>
@@ -16400,7 +16462,7 @@
         <p:spPr>
           <a:xfrm>
             <a:off x="7897905" y="5514672"/>
-            <a:ext cx="2689411" cy="584775"/>
+            <a:ext cx="3047998" cy="584775"/>
           </a:xfrm>
           <a:prstGeom prst="rect">
             <a:avLst/>
@@ -16429,7 +16491,7 @@
           <a:p>
             <a:pPr algn="ctr"/>
             <a:r>
-              <a:rPr lang="en-US" dirty="0">
+              <a:rPr lang="en-US" sz="2000" b="1" dirty="0">
                 <a:solidFill>
                   <a:schemeClr val="tx1"/>
                 </a:solidFill>
@@ -16611,8 +16673,8 @@
         </p:nvSpPr>
         <p:spPr>
           <a:xfrm>
-            <a:off x="1532964" y="1801906"/>
-            <a:ext cx="9386045" cy="1627092"/>
+            <a:off x="1532964" y="1521496"/>
+            <a:ext cx="9386045" cy="1582443"/>
           </a:xfrm>
           <a:prstGeom prst="rect">
             <a:avLst/>
@@ -16641,12 +16703,12 @@
           <a:p>
             <a:pPr algn="ctr"/>
             <a:r>
-              <a:rPr lang="en-US" sz="2400" dirty="0">
+              <a:rPr lang="en-US" sz="2400" b="1" dirty="0">
                 <a:solidFill>
                   <a:schemeClr val="tx1"/>
                 </a:solidFill>
               </a:rPr>
-              <a:t>We are trying to implement a prepaid management system to eradicate the mismanagements of local bus transport system</a:t>
+              <a:t>We are trying to implement a prepaid management system to eradicate the mismanagements of local bus transport system.</a:t>
             </a:r>
           </a:p>
         </p:txBody>
@@ -16774,7 +16836,7 @@
           <a:p>
             <a:pPr algn="ctr"/>
             <a:r>
-              <a:rPr lang="en-US" dirty="0">
+              <a:rPr lang="en-US" b="1" dirty="0">
                 <a:solidFill>
                   <a:schemeClr val="tx1"/>
                 </a:solidFill>
@@ -16785,7 +16847,7 @@
           <a:p>
             <a:pPr algn="ctr"/>
             <a:r>
-              <a:rPr lang="en-US" dirty="0">
+              <a:rPr lang="en-US" b="1" dirty="0">
                 <a:solidFill>
                   <a:schemeClr val="tx1"/>
                 </a:solidFill>
@@ -16839,7 +16901,7 @@
           <a:p>
             <a:pPr algn="ctr"/>
             <a:r>
-              <a:rPr lang="en-US" dirty="0">
+              <a:rPr lang="en-US" b="1" dirty="0">
                 <a:solidFill>
                   <a:schemeClr val="tx1"/>
                 </a:solidFill>
@@ -16893,7 +16955,7 @@
           <a:p>
             <a:pPr algn="ctr"/>
             <a:r>
-              <a:rPr lang="en-US" sz="1600" dirty="0">
+              <a:rPr lang="en-US" sz="1600" b="1" dirty="0">
                 <a:solidFill>
                   <a:schemeClr val="tx1"/>
                 </a:solidFill>
@@ -16947,7 +17009,7 @@
           <a:p>
             <a:pPr algn="ctr"/>
             <a:r>
-              <a:rPr lang="en-US" dirty="0">
+              <a:rPr lang="en-US" b="1" dirty="0">
                 <a:solidFill>
                   <a:schemeClr val="tx1"/>
                 </a:solidFill>
@@ -17001,14 +17063,14 @@
           <a:p>
             <a:pPr algn="ctr"/>
             <a:r>
-              <a:rPr lang="en-US" sz="1600" dirty="0">
+              <a:rPr lang="en-US" sz="1600" b="1" dirty="0">
                 <a:solidFill>
                   <a:schemeClr val="tx1"/>
                 </a:solidFill>
               </a:rPr>
               <a:t>Fingerprint 2</a:t>
             </a:r>
-            <a:endParaRPr lang="en-US" sz="1600" dirty="0"/>
+            <a:endParaRPr lang="en-US" sz="1600" b="1" dirty="0"/>
           </a:p>
         </p:txBody>
       </p:sp>
@@ -17056,7 +17118,7 @@
           <a:p>
             <a:pPr algn="ctr"/>
             <a:r>
-              <a:rPr lang="en-US" sz="1400" dirty="0">
+              <a:rPr lang="en-US" sz="1400" b="1" dirty="0">
                 <a:solidFill>
                   <a:schemeClr val="tx1"/>
                 </a:solidFill>
@@ -17067,7 +17129,7 @@
           <a:p>
             <a:pPr algn="ctr"/>
             <a:r>
-              <a:rPr lang="en-US" sz="1400" dirty="0">
+              <a:rPr lang="en-US" sz="1400" b="1" dirty="0">
                 <a:solidFill>
                   <a:schemeClr val="tx1"/>
                 </a:solidFill>
@@ -17121,7 +17183,7 @@
           <a:p>
             <a:pPr algn="ctr"/>
             <a:r>
-              <a:rPr lang="en-US" dirty="0">
+              <a:rPr lang="en-US" b="1" dirty="0">
                 <a:solidFill>
                   <a:schemeClr val="tx1"/>
                 </a:solidFill>
@@ -17175,14 +17237,14 @@
           <a:p>
             <a:pPr algn="ctr"/>
             <a:r>
-              <a:rPr lang="en-US" sz="1000" dirty="0" err="1">
+              <a:rPr lang="en-US" sz="1100" b="1" dirty="0" err="1">
                 <a:solidFill>
                   <a:schemeClr val="tx1"/>
                 </a:solidFill>
               </a:rPr>
               <a:t>Bkash</a:t>
             </a:r>
-            <a:endParaRPr lang="en-US" sz="1000" dirty="0">
+            <a:endParaRPr lang="en-US" sz="1100" b="1" dirty="0">
               <a:solidFill>
                 <a:schemeClr val="tx1"/>
               </a:solidFill>
@@ -17234,14 +17296,14 @@
           <a:p>
             <a:pPr algn="ctr"/>
             <a:r>
-              <a:rPr lang="en-US" sz="800" dirty="0" err="1">
+              <a:rPr lang="en-US" sz="1050" b="1" dirty="0" err="1">
                 <a:solidFill>
                   <a:schemeClr val="tx1"/>
                 </a:solidFill>
               </a:rPr>
               <a:t>Nagad</a:t>
             </a:r>
-            <a:endParaRPr lang="en-US" sz="800" dirty="0">
+            <a:endParaRPr lang="en-US" sz="1050" b="1" dirty="0">
               <a:solidFill>
                 <a:schemeClr val="tx1"/>
               </a:solidFill>
@@ -17293,7 +17355,7 @@
           <a:p>
             <a:pPr algn="ctr"/>
             <a:r>
-              <a:rPr lang="en-US" sz="800" dirty="0">
+              <a:rPr lang="en-US" sz="1000" b="1" dirty="0">
                 <a:solidFill>
                   <a:schemeClr val="tx1"/>
                 </a:solidFill>
@@ -17301,7 +17363,7 @@
               <a:t>Money</a:t>
             </a:r>
             <a:r>
-              <a:rPr lang="en-US" dirty="0">
+              <a:rPr lang="en-US" sz="2400" b="1" dirty="0">
                 <a:solidFill>
                   <a:schemeClr val="tx1"/>
                 </a:solidFill>
@@ -17309,7 +17371,7 @@
               <a:t> </a:t>
             </a:r>
             <a:r>
-              <a:rPr lang="en-US" sz="1000" dirty="0">
+              <a:rPr lang="en-US" sz="1100" b="1" dirty="0">
                 <a:solidFill>
                   <a:schemeClr val="tx1"/>
                 </a:solidFill>
@@ -17363,20 +17425,12 @@
           <a:p>
             <a:pPr algn="ctr"/>
             <a:r>
-              <a:rPr lang="en-US" sz="1000" dirty="0">
+              <a:rPr lang="en-US" sz="1600" b="1" dirty="0">
                 <a:solidFill>
                   <a:schemeClr val="tx1"/>
                 </a:solidFill>
               </a:rPr>
-              <a:t>C/D </a:t>
-            </a:r>
-            <a:r>
-              <a:rPr lang="en-US" sz="900" dirty="0">
-                <a:solidFill>
-                  <a:schemeClr val="tx1"/>
-                </a:solidFill>
-              </a:rPr>
-              <a:t>card</a:t>
+              <a:t>C/D card</a:t>
             </a:r>
           </a:p>
         </p:txBody>
@@ -17917,7 +17971,7 @@
           <a:p>
             <a:pPr algn="ctr"/>
             <a:r>
-              <a:rPr lang="en-US" dirty="0">
+              <a:rPr lang="en-US" b="1" dirty="0">
                 <a:solidFill>
                   <a:schemeClr val="tx1"/>
                 </a:solidFill>
@@ -17928,7 +17982,7 @@
           <a:p>
             <a:pPr algn="ctr"/>
             <a:r>
-              <a:rPr lang="en-US" dirty="0">
+              <a:rPr lang="en-US" b="1" dirty="0">
                 <a:solidFill>
                   <a:schemeClr val="tx1"/>
                 </a:solidFill>
@@ -17982,7 +18036,7 @@
           <a:p>
             <a:pPr algn="ctr"/>
             <a:r>
-              <a:rPr lang="en-US" sz="1100" dirty="0" err="1">
+              <a:rPr lang="en-US" sz="1100" b="1" dirty="0" err="1">
                 <a:solidFill>
                   <a:schemeClr val="tx1"/>
                 </a:solidFill>
@@ -17990,14 +18044,14 @@
               <a:t>Mobile</a:t>
             </a:r>
             <a:r>
-              <a:rPr lang="en-US" sz="1200" dirty="0" err="1">
+              <a:rPr lang="en-US" sz="1200" b="1" dirty="0" err="1">
                 <a:solidFill>
                   <a:schemeClr val="tx1"/>
                 </a:solidFill>
               </a:rPr>
               <a:t>App</a:t>
             </a:r>
-            <a:endParaRPr lang="en-US" sz="1200" dirty="0">
+            <a:endParaRPr lang="en-US" sz="1200" b="1" dirty="0">
               <a:solidFill>
                 <a:schemeClr val="tx1"/>
               </a:solidFill>
@@ -18049,7 +18103,7 @@
           <a:p>
             <a:pPr algn="ctr"/>
             <a:r>
-              <a:rPr lang="en-US" sz="1000" dirty="0">
+              <a:rPr lang="en-US" sz="1000" b="1" dirty="0">
                 <a:solidFill>
                   <a:schemeClr val="tx1"/>
                 </a:solidFill>
@@ -18103,7 +18157,7 @@
           <a:p>
             <a:pPr algn="ctr"/>
             <a:r>
-              <a:rPr lang="en-US" sz="1050" dirty="0">
+              <a:rPr lang="en-US" sz="1050" b="1" dirty="0">
                 <a:solidFill>
                   <a:schemeClr val="tx1"/>
                 </a:solidFill>
@@ -18111,7 +18165,7 @@
               <a:t>Physical </a:t>
             </a:r>
             <a:r>
-              <a:rPr lang="en-US" sz="1100" dirty="0">
+              <a:rPr lang="en-US" sz="1100" b="1" dirty="0">
                 <a:solidFill>
                   <a:schemeClr val="tx1"/>
                 </a:solidFill>
@@ -18165,7 +18219,7 @@
           <a:p>
             <a:pPr algn="ctr"/>
             <a:r>
-              <a:rPr lang="en-US" sz="1200" dirty="0">
+              <a:rPr lang="en-US" sz="1200" b="1" dirty="0">
                 <a:solidFill>
                   <a:schemeClr val="tx1"/>
                 </a:solidFill>
@@ -18373,7 +18427,7 @@
           <a:p>
             <a:pPr algn="ctr"/>
             <a:r>
-              <a:rPr lang="en-US" dirty="0">
+              <a:rPr lang="en-US" b="1" dirty="0">
                 <a:solidFill>
                   <a:schemeClr val="tx1"/>
                 </a:solidFill>
@@ -18508,7 +18562,7 @@
           <a:p>
             <a:pPr algn="ctr"/>
             <a:r>
-              <a:rPr lang="en-US" sz="1400" dirty="0">
+              <a:rPr lang="en-US" sz="1400" b="1" dirty="0">
                 <a:solidFill>
                   <a:schemeClr val="tx1"/>
                 </a:solidFill>
@@ -18649,7 +18703,7 @@
           <a:p>
             <a:pPr algn="ctr"/>
             <a:r>
-              <a:rPr lang="en-US" sz="2400" dirty="0">
+              <a:rPr lang="en-US" sz="2400" b="1" dirty="0">
                 <a:solidFill>
                   <a:schemeClr val="tx1"/>
                 </a:solidFill>
@@ -18744,7 +18798,7 @@
           <a:p>
             <a:pPr algn="ctr"/>
             <a:r>
-              <a:rPr lang="en-US" dirty="0">
+              <a:rPr lang="en-US" b="1" dirty="0">
                 <a:solidFill>
                   <a:schemeClr val="tx1"/>
                 </a:solidFill>
@@ -18798,7 +18852,7 @@
           <a:p>
             <a:pPr algn="ctr"/>
             <a:r>
-              <a:rPr lang="en-US" dirty="0">
+              <a:rPr lang="en-US" b="1" dirty="0">
                 <a:solidFill>
                   <a:schemeClr val="tx1"/>
                 </a:solidFill>
@@ -19021,8 +19075,10 @@
           <a:lstStyle/>
           <a:p>
             <a:r>
-              <a:rPr lang="en-US" sz="2400" b="1" dirty="0"/>
-              <a:t>Outcomes:</a:t>
+              <a:rPr lang="en-US" sz="2400" b="1" dirty="0">
+                <a:latin typeface="British Council Sans Black" panose="020B0A04020202020204" pitchFamily="34" charset="0"/>
+              </a:rPr>
+              <a:t>Outcomes</a:t>
             </a:r>
           </a:p>
         </p:txBody>
@@ -19252,7 +19308,7 @@
         <p:spPr>
           <a:xfrm>
             <a:off x="1990165" y="608576"/>
-            <a:ext cx="6284259" cy="523220"/>
+            <a:ext cx="7420165" cy="523220"/>
           </a:xfrm>
           <a:prstGeom prst="rect">
             <a:avLst/>
@@ -19266,8 +19322,10 @@
           <a:lstStyle/>
           <a:p>
             <a:r>
-              <a:rPr lang="en-US" sz="2800" b="1" dirty="0"/>
-              <a:t>How system will solve the key reasons:</a:t>
+              <a:rPr lang="en-US" sz="2800" b="1" dirty="0">
+                <a:latin typeface="British Council Sans Black" panose="020B0A04020202020204" pitchFamily="34" charset="0"/>
+              </a:rPr>
+              <a:t>How system will solve the key reasons</a:t>
             </a:r>
           </a:p>
         </p:txBody>
@@ -19286,8 +19344,8 @@
         </p:nvSpPr>
         <p:spPr>
           <a:xfrm>
-            <a:off x="1555376" y="1662954"/>
-            <a:ext cx="2783542" cy="1062318"/>
+            <a:off x="1555375" y="1662954"/>
+            <a:ext cx="2794665" cy="1248922"/>
           </a:xfrm>
           <a:prstGeom prst="roundRect">
             <a:avLst/>
@@ -19313,7 +19371,7 @@
           <a:p>
             <a:pPr algn="ctr"/>
             <a:r>
-              <a:rPr lang="en-US" dirty="0">
+              <a:rPr lang="en-US" sz="2000" b="1" dirty="0">
                 <a:solidFill>
                   <a:schemeClr val="tx1"/>
                 </a:solidFill>
@@ -19337,8 +19395,8 @@
         </p:nvSpPr>
         <p:spPr>
           <a:xfrm>
-            <a:off x="6884896" y="1662954"/>
-            <a:ext cx="4096870" cy="1062318"/>
+            <a:off x="6884895" y="1662954"/>
+            <a:ext cx="4113241" cy="1248922"/>
           </a:xfrm>
           <a:prstGeom prst="roundRect">
             <a:avLst/>
@@ -19364,14 +19422,14 @@
           <a:p>
             <a:pPr algn="ctr"/>
             <a:r>
-              <a:rPr lang="en-US">
+              <a:rPr lang="en-US" sz="2000" b="1">
                 <a:solidFill>
                   <a:schemeClr val="tx1"/>
                 </a:solidFill>
               </a:rPr>
               <a:t>Eradicate the tendency of standing on roads for extra standing passengers</a:t>
             </a:r>
-            <a:endParaRPr lang="en-US" dirty="0">
+            <a:endParaRPr lang="en-US" sz="2000" b="1" dirty="0">
               <a:solidFill>
                 <a:schemeClr val="tx1"/>
               </a:solidFill>
@@ -19393,8 +19451,8 @@
         </p:nvSpPr>
         <p:spPr>
           <a:xfrm>
-            <a:off x="1555376" y="3571219"/>
-            <a:ext cx="2783542" cy="923365"/>
+            <a:off x="1555375" y="3571219"/>
+            <a:ext cx="2794665" cy="1085561"/>
           </a:xfrm>
           <a:prstGeom prst="roundRect">
             <a:avLst/>
@@ -19420,7 +19478,7 @@
           <a:p>
             <a:pPr algn="ctr"/>
             <a:r>
-              <a:rPr lang="en-US" dirty="0">
+              <a:rPr lang="en-US" sz="2000" b="1" dirty="0">
                 <a:solidFill>
                   <a:schemeClr val="tx1"/>
                 </a:solidFill>
@@ -19444,8 +19502,8 @@
         </p:nvSpPr>
         <p:spPr>
           <a:xfrm>
-            <a:off x="6884896" y="3526396"/>
-            <a:ext cx="4096870" cy="1013012"/>
+            <a:off x="6884895" y="3526395"/>
+            <a:ext cx="4113241" cy="1190955"/>
           </a:xfrm>
           <a:prstGeom prst="roundRect">
             <a:avLst/>
@@ -19471,7 +19529,7 @@
           <a:p>
             <a:pPr algn="ctr"/>
             <a:r>
-              <a:rPr lang="en-US" dirty="0">
+              <a:rPr lang="en-US" sz="2000" b="1" dirty="0">
                 <a:solidFill>
                   <a:schemeClr val="tx1"/>
                 </a:solidFill>
@@ -19496,7 +19554,7 @@
         <p:spPr>
           <a:xfrm>
             <a:off x="1584511" y="5379656"/>
-            <a:ext cx="2725271" cy="918883"/>
+            <a:ext cx="2736161" cy="1080292"/>
           </a:xfrm>
           <a:prstGeom prst="roundRect">
             <a:avLst/>
@@ -19522,7 +19580,7 @@
           <a:p>
             <a:pPr algn="ctr"/>
             <a:r>
-              <a:rPr lang="en-US" dirty="0">
+              <a:rPr lang="en-US" sz="2000" b="1" dirty="0">
                 <a:solidFill>
                   <a:schemeClr val="tx1"/>
                 </a:solidFill>
@@ -19547,7 +19605,7 @@
         <p:spPr>
           <a:xfrm>
             <a:off x="6884896" y="5365185"/>
-            <a:ext cx="4096869" cy="918883"/>
+            <a:ext cx="4113240" cy="1080292"/>
           </a:xfrm>
           <a:prstGeom prst="roundRect">
             <a:avLst/>
@@ -19573,7 +19631,7 @@
           <a:p>
             <a:pPr algn="ctr"/>
             <a:r>
-              <a:rPr lang="en-US" dirty="0">
+              <a:rPr lang="en-US" sz="2000" b="1" dirty="0">
                 <a:solidFill>
                   <a:schemeClr val="tx1"/>
                 </a:solidFill>
@@ -19593,6 +19651,7 @@
             </a:extLst>
           </p:cNvPr>
           <p:cNvCxnSpPr>
+            <a:cxnSpLocks/>
             <a:stCxn id="3" idx="3"/>
             <a:endCxn id="5" idx="1"/>
           </p:cNvCxnSpPr>
@@ -19600,8 +19659,8 @@
         </p:nvCxnSpPr>
         <p:spPr>
           <a:xfrm>
-            <a:off x="4338918" y="2194113"/>
-            <a:ext cx="2545978" cy="0"/>
+            <a:off x="4350040" y="2287415"/>
+            <a:ext cx="2534855" cy="0"/>
           </a:xfrm>
           <a:prstGeom prst="straightConnector1">
             <a:avLst/>
@@ -19676,6 +19735,7 @@
             </a:extLst>
           </p:cNvPr>
           <p:cNvCxnSpPr>
+            <a:cxnSpLocks/>
             <a:stCxn id="7" idx="2"/>
             <a:endCxn id="9" idx="0"/>
           </p:cNvCxnSpPr>
@@ -19683,8 +19743,8 @@
         </p:nvCxnSpPr>
         <p:spPr>
           <a:xfrm>
-            <a:off x="8933331" y="4539408"/>
-            <a:ext cx="0" cy="825777"/>
+            <a:off x="8941516" y="4717350"/>
+            <a:ext cx="0" cy="647835"/>
           </a:xfrm>
           <a:prstGeom prst="straightConnector1">
             <a:avLst/>
@@ -19718,6 +19778,7 @@
             </a:extLst>
           </p:cNvPr>
           <p:cNvCxnSpPr>
+            <a:cxnSpLocks/>
             <a:stCxn id="3" idx="2"/>
             <a:endCxn id="6" idx="0"/>
           </p:cNvCxnSpPr>
@@ -19725,8 +19786,8 @@
         </p:nvCxnSpPr>
         <p:spPr>
           <a:xfrm>
-            <a:off x="2947147" y="2725272"/>
-            <a:ext cx="0" cy="845947"/>
+            <a:off x="2952708" y="2911876"/>
+            <a:ext cx="0" cy="659343"/>
           </a:xfrm>
           <a:prstGeom prst="straightConnector1">
             <a:avLst/>
@@ -19767,9 +19828,9 @@
           <p:nvPr/>
         </p:nvCxnSpPr>
         <p:spPr>
-          <a:xfrm>
-            <a:off x="2947147" y="4494584"/>
-            <a:ext cx="0" cy="885072"/>
+          <a:xfrm flipH="1">
+            <a:off x="2952592" y="4656780"/>
+            <a:ext cx="116" cy="722876"/>
           </a:xfrm>
           <a:prstGeom prst="straightConnector1">
             <a:avLst/>
@@ -19803,6 +19864,7 @@
             </a:extLst>
           </p:cNvPr>
           <p:cNvCxnSpPr>
+            <a:cxnSpLocks/>
             <a:stCxn id="8" idx="3"/>
             <a:endCxn id="9" idx="1"/>
           </p:cNvCxnSpPr>
@@ -19810,8 +19872,8 @@
         </p:nvCxnSpPr>
         <p:spPr>
           <a:xfrm flipV="1">
-            <a:off x="4309782" y="5824627"/>
-            <a:ext cx="2575114" cy="14471"/>
+            <a:off x="4320672" y="5905331"/>
+            <a:ext cx="2564224" cy="14471"/>
           </a:xfrm>
           <a:prstGeom prst="straightConnector1">
             <a:avLst/>
@@ -19907,6 +19969,7 @@
                     </a:schemeClr>
                   </a:outerShdw>
                 </a:effectLst>
+                <a:latin typeface="British Council Sans Black" panose="020B0A04020202020204" pitchFamily="34" charset="0"/>
               </a:rPr>
               <a:t>Business Model</a:t>
             </a:r>
@@ -19926,13 +19989,13 @@
           <p:nvPr>
             <p:extLst>
               <p:ext uri="{D42A27DB-BD31-4B8C-83A1-F6EECF244321}">
-                <p14:modId xmlns:p14="http://schemas.microsoft.com/office/powerpoint/2010/main" val="609786254"/>
+                <p14:modId xmlns:p14="http://schemas.microsoft.com/office/powerpoint/2010/main" val="1827198019"/>
               </p:ext>
             </p:extLst>
           </p:nvPr>
         </p:nvGraphicFramePr>
         <p:xfrm>
-          <a:off x="1999128" y="1586753"/>
+          <a:off x="1306670" y="1870839"/>
           <a:ext cx="8498543" cy="4168588"/>
         </p:xfrm>
         <a:graphic>
